--- a/ppt.pptx
+++ b/ppt.pptx
@@ -6,7 +6,10 @@
   </p:sldMasterIdLst>
   <p:sldIdLst>
     <p:sldId id="256" r:id="rId2"/>
-    <p:sldId id="259" r:id="rId3"/>
+    <p:sldId id="260" r:id="rId3"/>
+    <p:sldId id="259" r:id="rId4"/>
+    <p:sldId id="261" r:id="rId5"/>
+    <p:sldId id="262" r:id="rId6"/>
   </p:sldIdLst>
   <p:sldSz cx="12192000" cy="6858000"/>
   <p:notesSz cx="6858000" cy="9144000"/>
@@ -105,6 +108,11 @@
       </a:defRPr>
     </a:lvl9pPr>
   </p:defaultTextStyle>
+  <p:extLst>
+    <p:ext uri="{EFAFB233-063F-42B5-8137-9DF3F51BA10A}">
+      <p15:sldGuideLst xmlns:p15="http://schemas.microsoft.com/office/powerpoint/2012/main"/>
+    </p:ext>
+  </p:extLst>
 </p:presentation>
 </file>
 
@@ -255,7 +263,7 @@
           <a:p>
             <a:fld id="{08A9637E-C44B-481C-AC64-A811FB28FF18}" type="datetimeFigureOut">
               <a:rPr lang="en-US" smtClean="0"/>
-              <a:t>8/12/2024</a:t>
+              <a:t>8/23/2024</a:t>
             </a:fld>
             <a:endParaRPr lang="en-US"/>
           </a:p>
@@ -453,7 +461,7 @@
           <a:p>
             <a:fld id="{08A9637E-C44B-481C-AC64-A811FB28FF18}" type="datetimeFigureOut">
               <a:rPr lang="en-US" smtClean="0"/>
-              <a:t>8/12/2024</a:t>
+              <a:t>8/23/2024</a:t>
             </a:fld>
             <a:endParaRPr lang="en-US"/>
           </a:p>
@@ -661,7 +669,7 @@
           <a:p>
             <a:fld id="{08A9637E-C44B-481C-AC64-A811FB28FF18}" type="datetimeFigureOut">
               <a:rPr lang="en-US" smtClean="0"/>
-              <a:t>8/12/2024</a:t>
+              <a:t>8/23/2024</a:t>
             </a:fld>
             <a:endParaRPr lang="en-US"/>
           </a:p>
@@ -859,7 +867,7 @@
           <a:p>
             <a:fld id="{08A9637E-C44B-481C-AC64-A811FB28FF18}" type="datetimeFigureOut">
               <a:rPr lang="en-US" smtClean="0"/>
-              <a:t>8/12/2024</a:t>
+              <a:t>8/23/2024</a:t>
             </a:fld>
             <a:endParaRPr lang="en-US"/>
           </a:p>
@@ -1134,7 +1142,7 @@
           <a:p>
             <a:fld id="{08A9637E-C44B-481C-AC64-A811FB28FF18}" type="datetimeFigureOut">
               <a:rPr lang="en-US" smtClean="0"/>
-              <a:t>8/12/2024</a:t>
+              <a:t>8/23/2024</a:t>
             </a:fld>
             <a:endParaRPr lang="en-US"/>
           </a:p>
@@ -1399,7 +1407,7 @@
           <a:p>
             <a:fld id="{08A9637E-C44B-481C-AC64-A811FB28FF18}" type="datetimeFigureOut">
               <a:rPr lang="en-US" smtClean="0"/>
-              <a:t>8/12/2024</a:t>
+              <a:t>8/23/2024</a:t>
             </a:fld>
             <a:endParaRPr lang="en-US"/>
           </a:p>
@@ -1811,7 +1819,7 @@
           <a:p>
             <a:fld id="{08A9637E-C44B-481C-AC64-A811FB28FF18}" type="datetimeFigureOut">
               <a:rPr lang="en-US" smtClean="0"/>
-              <a:t>8/12/2024</a:t>
+              <a:t>8/23/2024</a:t>
             </a:fld>
             <a:endParaRPr lang="en-US"/>
           </a:p>
@@ -1952,7 +1960,7 @@
           <a:p>
             <a:fld id="{08A9637E-C44B-481C-AC64-A811FB28FF18}" type="datetimeFigureOut">
               <a:rPr lang="en-US" smtClean="0"/>
-              <a:t>8/12/2024</a:t>
+              <a:t>8/23/2024</a:t>
             </a:fld>
             <a:endParaRPr lang="en-US"/>
           </a:p>
@@ -2065,7 +2073,7 @@
           <a:p>
             <a:fld id="{08A9637E-C44B-481C-AC64-A811FB28FF18}" type="datetimeFigureOut">
               <a:rPr lang="en-US" smtClean="0"/>
-              <a:t>8/12/2024</a:t>
+              <a:t>8/23/2024</a:t>
             </a:fld>
             <a:endParaRPr lang="en-US"/>
           </a:p>
@@ -2376,7 +2384,7 @@
           <a:p>
             <a:fld id="{08A9637E-C44B-481C-AC64-A811FB28FF18}" type="datetimeFigureOut">
               <a:rPr lang="en-US" smtClean="0"/>
-              <a:t>8/12/2024</a:t>
+              <a:t>8/23/2024</a:t>
             </a:fld>
             <a:endParaRPr lang="en-US"/>
           </a:p>
@@ -2664,7 +2672,7 @@
           <a:p>
             <a:fld id="{08A9637E-C44B-481C-AC64-A811FB28FF18}" type="datetimeFigureOut">
               <a:rPr lang="en-US" smtClean="0"/>
-              <a:t>8/12/2024</a:t>
+              <a:t>8/23/2024</a:t>
             </a:fld>
             <a:endParaRPr lang="en-US"/>
           </a:p>
@@ -2922,7 +2930,7 @@
           <a:p>
             <a:fld id="{08A9637E-C44B-481C-AC64-A811FB28FF18}" type="datetimeFigureOut">
               <a:rPr lang="en-US" smtClean="0"/>
-              <a:t>8/12/2024</a:t>
+              <a:t>8/23/2024</a:t>
             </a:fld>
             <a:endParaRPr lang="en-US"/>
           </a:p>
@@ -3599,7 +3607,7 @@
         <p:spPr>
           <a:xfrm>
             <a:off x="477980" y="3942849"/>
-            <a:ext cx="4926965" cy="1208141"/>
+            <a:ext cx="4926965" cy="826099"/>
           </a:xfrm>
         </p:spPr>
         <p:txBody>
@@ -3797,6 +3805,14 @@
 <file path=ppt/slides/slide2.xml><?xml version="1.0" encoding="utf-8"?>
 <p:sld xmlns:a="http://schemas.openxmlformats.org/drawingml/2006/main" xmlns:r="http://schemas.openxmlformats.org/officeDocument/2006/relationships" xmlns:p="http://schemas.openxmlformats.org/presentationml/2006/main">
   <p:cSld>
+    <p:bg>
+      <p:bgPr>
+        <a:solidFill>
+          <a:schemeClr val="bg1"/>
+        </a:solidFill>
+        <a:effectLst/>
+      </p:bgPr>
+    </p:bg>
     <p:spTree>
       <p:nvGrpSpPr>
         <p:cNvPr id="1" name=""/>
@@ -3811,12 +3827,941 @@
           <a:chExt cx="0" cy="0"/>
         </a:xfrm>
       </p:grpSpPr>
-      <p:sp>
-        <p:nvSpPr>
-          <p:cNvPr id="6" name="TextBox 5">
-            <a:extLst>
-              <a:ext uri="{FF2B5EF4-FFF2-40B4-BE49-F238E27FC236}">
-                <a16:creationId xmlns:a16="http://schemas.microsoft.com/office/drawing/2014/main" id="{D30DE906-7055-D7B7-EFAB-7BDE5C6A41B0}"/>
+      <p:sp useBgFill="1">
+        <p:nvSpPr>
+          <p:cNvPr id="25" name="Rectangle 24">
+            <a:extLst>
+              <a:ext uri="{FF2B5EF4-FFF2-40B4-BE49-F238E27FC236}">
+                <a16:creationId xmlns:a16="http://schemas.microsoft.com/office/drawing/2014/main" id="{577D6B2E-37A3-429E-A37C-F30ED6487282}"/>
+              </a:ext>
+              <a:ext uri="{C183D7F6-B498-43B3-948B-1728B52AA6E4}">
+                <adec:decorative xmlns:adec="http://schemas.microsoft.com/office/drawing/2017/decorative" val="1"/>
+              </a:ext>
+            </a:extLst>
+          </p:cNvPr>
+          <p:cNvSpPr>
+            <a:spLocks noGrp="1" noRot="1" noChangeAspect="1" noMove="1" noResize="1" noEditPoints="1" noAdjustHandles="1" noChangeArrowheads="1" noChangeShapeType="1" noTextEdit="1"/>
+          </p:cNvSpPr>
+          <p:nvPr>
+            <p:extLst>
+              <p:ext uri="{386F3935-93C4-4BCD-93E2-E3B085C9AB24}">
+                <p16:designElem xmlns:p16="http://schemas.microsoft.com/office/powerpoint/2015/main" val="1"/>
+              </p:ext>
+            </p:extLst>
+          </p:nvPr>
+        </p:nvSpPr>
+        <p:spPr>
+          <a:xfrm>
+            <a:off x="0" y="0"/>
+            <a:ext cx="12192000" cy="6858000"/>
+          </a:xfrm>
+          <a:prstGeom prst="rect">
+            <a:avLst/>
+          </a:prstGeom>
+          <a:ln w="12700" cap="flat" cmpd="sng" algn="ctr">
+            <a:noFill/>
+            <a:prstDash val="solid"/>
+            <a:miter lim="800000"/>
+          </a:ln>
+          <a:effectLst/>
+          <a:extLst>
+            <a:ext uri="{91240B29-F687-4F45-9708-019B960494DF}">
+              <a14:hiddenLine xmlns:a14="http://schemas.microsoft.com/office/drawing/2010/main" w="12700" cap="flat" cmpd="sng" algn="ctr">
+                <a:solidFill>
+                  <a:schemeClr val="accent1">
+                    <a:shade val="50000"/>
+                  </a:schemeClr>
+                </a:solidFill>
+                <a:prstDash val="solid"/>
+                <a:miter lim="800000"/>
+              </a14:hiddenLine>
+            </a:ext>
+          </a:extLst>
+        </p:spPr>
+        <p:style>
+          <a:lnRef idx="2">
+            <a:schemeClr val="accent1">
+              <a:shade val="50000"/>
+            </a:schemeClr>
+          </a:lnRef>
+          <a:fillRef idx="1">
+            <a:schemeClr val="accent1"/>
+          </a:fillRef>
+          <a:effectRef idx="0">
+            <a:schemeClr val="accent1"/>
+          </a:effectRef>
+          <a:fontRef idx="minor">
+            <a:schemeClr val="lt1"/>
+          </a:fontRef>
+        </p:style>
+        <p:txBody>
+          <a:bodyPr rtlCol="0" anchor="ctr"/>
+          <a:lstStyle/>
+          <a:p>
+            <a:pPr algn="ctr"/>
+            <a:endParaRPr lang="en-US"/>
+          </a:p>
+        </p:txBody>
+      </p:sp>
+      <p:sp>
+        <p:nvSpPr>
+          <p:cNvPr id="27" name="Rectangle 26">
+            <a:extLst>
+              <a:ext uri="{FF2B5EF4-FFF2-40B4-BE49-F238E27FC236}">
+                <a16:creationId xmlns:a16="http://schemas.microsoft.com/office/drawing/2014/main" id="{5CEAD642-85CF-4750-8432-7C80C901F001}"/>
+              </a:ext>
+              <a:ext uri="{C183D7F6-B498-43B3-948B-1728B52AA6E4}">
+                <adec:decorative xmlns:adec="http://schemas.microsoft.com/office/drawing/2017/decorative" val="1"/>
+              </a:ext>
+            </a:extLst>
+          </p:cNvPr>
+          <p:cNvSpPr>
+            <a:spLocks noGrp="1" noRot="1" noChangeAspect="1" noMove="1" noResize="1" noEditPoints="1" noAdjustHandles="1" noChangeArrowheads="1" noChangeShapeType="1" noTextEdit="1"/>
+          </p:cNvSpPr>
+          <p:nvPr>
+            <p:extLst>
+              <p:ext uri="{386F3935-93C4-4BCD-93E2-E3B085C9AB24}">
+                <p16:designElem xmlns:p16="http://schemas.microsoft.com/office/powerpoint/2015/main" val="1"/>
+              </p:ext>
+            </p:extLst>
+          </p:nvPr>
+        </p:nvSpPr>
+        <p:spPr>
+          <a:xfrm rot="10800000">
+            <a:off x="-11723" y="-1"/>
+            <a:ext cx="12225953" cy="6868071"/>
+          </a:xfrm>
+          <a:prstGeom prst="rect">
+            <a:avLst/>
+          </a:prstGeom>
+          <a:gradFill>
+            <a:gsLst>
+              <a:gs pos="0">
+                <a:srgbClr val="000000"/>
+              </a:gs>
+              <a:gs pos="100000">
+                <a:schemeClr val="accent1">
+                  <a:lumMod val="75000"/>
+                </a:schemeClr>
+              </a:gs>
+            </a:gsLst>
+            <a:lin ang="4200000" scaled="0"/>
+          </a:gradFill>
+          <a:ln>
+            <a:noFill/>
+          </a:ln>
+        </p:spPr>
+        <p:style>
+          <a:lnRef idx="2">
+            <a:schemeClr val="accent1">
+              <a:shade val="50000"/>
+            </a:schemeClr>
+          </a:lnRef>
+          <a:fillRef idx="1">
+            <a:schemeClr val="accent1"/>
+          </a:fillRef>
+          <a:effectRef idx="0">
+            <a:schemeClr val="accent1"/>
+          </a:effectRef>
+          <a:fontRef idx="minor">
+            <a:schemeClr val="lt1"/>
+          </a:fontRef>
+        </p:style>
+        <p:txBody>
+          <a:bodyPr rtlCol="0" anchor="ctr"/>
+          <a:lstStyle/>
+          <a:p>
+            <a:pPr algn="ctr"/>
+            <a:endParaRPr lang="en-US"/>
+          </a:p>
+        </p:txBody>
+      </p:sp>
+      <p:sp>
+        <p:nvSpPr>
+          <p:cNvPr id="29" name="Rectangle 28">
+            <a:extLst>
+              <a:ext uri="{FF2B5EF4-FFF2-40B4-BE49-F238E27FC236}">
+                <a16:creationId xmlns:a16="http://schemas.microsoft.com/office/drawing/2014/main" id="{FA33EEAE-15D5-4119-8C1E-89D943F911EF}"/>
+              </a:ext>
+              <a:ext uri="{C183D7F6-B498-43B3-948B-1728B52AA6E4}">
+                <adec:decorative xmlns:adec="http://schemas.microsoft.com/office/drawing/2017/decorative" val="1"/>
+              </a:ext>
+            </a:extLst>
+          </p:cNvPr>
+          <p:cNvSpPr>
+            <a:spLocks noGrp="1" noRot="1" noChangeAspect="1" noMove="1" noResize="1" noEditPoints="1" noAdjustHandles="1" noChangeArrowheads="1" noChangeShapeType="1" noTextEdit="1"/>
+          </p:cNvSpPr>
+          <p:nvPr>
+            <p:extLst>
+              <p:ext uri="{386F3935-93C4-4BCD-93E2-E3B085C9AB24}">
+                <p16:designElem xmlns:p16="http://schemas.microsoft.com/office/powerpoint/2015/main" val="1"/>
+              </p:ext>
+            </p:extLst>
+          </p:nvPr>
+        </p:nvSpPr>
+        <p:spPr>
+          <a:xfrm rot="10800000" flipH="1">
+            <a:off x="441959" y="-3"/>
+            <a:ext cx="11772269" cy="6868074"/>
+          </a:xfrm>
+          <a:prstGeom prst="rect">
+            <a:avLst/>
+          </a:prstGeom>
+          <a:gradFill>
+            <a:gsLst>
+              <a:gs pos="21000">
+                <a:schemeClr val="accent1">
+                  <a:lumMod val="50000"/>
+                  <a:alpha val="83000"/>
+                </a:schemeClr>
+              </a:gs>
+              <a:gs pos="100000">
+                <a:schemeClr val="accent1">
+                  <a:alpha val="0"/>
+                </a:schemeClr>
+              </a:gs>
+            </a:gsLst>
+            <a:lin ang="8400000" scaled="0"/>
+          </a:gradFill>
+          <a:ln>
+            <a:noFill/>
+          </a:ln>
+        </p:spPr>
+        <p:style>
+          <a:lnRef idx="2">
+            <a:schemeClr val="accent1">
+              <a:shade val="50000"/>
+            </a:schemeClr>
+          </a:lnRef>
+          <a:fillRef idx="1">
+            <a:schemeClr val="accent1"/>
+          </a:fillRef>
+          <a:effectRef idx="0">
+            <a:schemeClr val="accent1"/>
+          </a:effectRef>
+          <a:fontRef idx="minor">
+            <a:schemeClr val="lt1"/>
+          </a:fontRef>
+        </p:style>
+        <p:txBody>
+          <a:bodyPr rtlCol="0" anchor="ctr"/>
+          <a:lstStyle/>
+          <a:p>
+            <a:pPr algn="ctr"/>
+            <a:endParaRPr lang="en-US"/>
+          </a:p>
+        </p:txBody>
+      </p:sp>
+      <p:sp>
+        <p:nvSpPr>
+          <p:cNvPr id="31" name="Rectangle 30">
+            <a:extLst>
+              <a:ext uri="{FF2B5EF4-FFF2-40B4-BE49-F238E27FC236}">
+                <a16:creationId xmlns:a16="http://schemas.microsoft.com/office/drawing/2014/main" id="{730D8B3B-9B80-4025-B934-26DC7D7CD231}"/>
+              </a:ext>
+              <a:ext uri="{C183D7F6-B498-43B3-948B-1728B52AA6E4}">
+                <adec:decorative xmlns:adec="http://schemas.microsoft.com/office/drawing/2017/decorative" val="1"/>
+              </a:ext>
+            </a:extLst>
+          </p:cNvPr>
+          <p:cNvSpPr>
+            <a:spLocks noGrp="1" noRot="1" noChangeAspect="1" noMove="1" noResize="1" noEditPoints="1" noAdjustHandles="1" noChangeArrowheads="1" noChangeShapeType="1" noTextEdit="1"/>
+          </p:cNvSpPr>
+          <p:nvPr>
+            <p:extLst>
+              <p:ext uri="{386F3935-93C4-4BCD-93E2-E3B085C9AB24}">
+                <p16:designElem xmlns:p16="http://schemas.microsoft.com/office/powerpoint/2015/main" val="1"/>
+              </p:ext>
+            </p:extLst>
+          </p:nvPr>
+        </p:nvSpPr>
+        <p:spPr>
+          <a:xfrm rot="10800000">
+            <a:off x="-15200" y="0"/>
+            <a:ext cx="3623374" cy="6868072"/>
+          </a:xfrm>
+          <a:prstGeom prst="rect">
+            <a:avLst/>
+          </a:prstGeom>
+          <a:gradFill>
+            <a:gsLst>
+              <a:gs pos="0">
+                <a:schemeClr val="accent1">
+                  <a:lumMod val="75000"/>
+                  <a:alpha val="0"/>
+                </a:schemeClr>
+              </a:gs>
+              <a:gs pos="99000">
+                <a:srgbClr val="000000">
+                  <a:alpha val="41000"/>
+                </a:srgbClr>
+              </a:gs>
+            </a:gsLst>
+            <a:lin ang="13200000" scaled="0"/>
+          </a:gradFill>
+          <a:ln>
+            <a:noFill/>
+          </a:ln>
+        </p:spPr>
+        <p:style>
+          <a:lnRef idx="2">
+            <a:schemeClr val="accent1">
+              <a:shade val="50000"/>
+            </a:schemeClr>
+          </a:lnRef>
+          <a:fillRef idx="1">
+            <a:schemeClr val="accent1"/>
+          </a:fillRef>
+          <a:effectRef idx="0">
+            <a:schemeClr val="accent1"/>
+          </a:effectRef>
+          <a:fontRef idx="minor">
+            <a:schemeClr val="lt1"/>
+          </a:fontRef>
+        </p:style>
+        <p:txBody>
+          <a:bodyPr rtlCol="0" anchor="ctr"/>
+          <a:lstStyle/>
+          <a:p>
+            <a:pPr algn="ctr"/>
+            <a:endParaRPr lang="en-US"/>
+          </a:p>
+        </p:txBody>
+      </p:sp>
+      <p:sp>
+        <p:nvSpPr>
+          <p:cNvPr id="33" name="Rectangle 32">
+            <a:extLst>
+              <a:ext uri="{FF2B5EF4-FFF2-40B4-BE49-F238E27FC236}">
+                <a16:creationId xmlns:a16="http://schemas.microsoft.com/office/drawing/2014/main" id="{1064D5D5-227B-4F66-9AEA-46F570E793BD}"/>
+              </a:ext>
+              <a:ext uri="{C183D7F6-B498-43B3-948B-1728B52AA6E4}">
+                <adec:decorative xmlns:adec="http://schemas.microsoft.com/office/drawing/2017/decorative" val="1"/>
+              </a:ext>
+            </a:extLst>
+          </p:cNvPr>
+          <p:cNvSpPr>
+            <a:spLocks noGrp="1" noRot="1" noChangeAspect="1" noMove="1" noResize="1" noEditPoints="1" noAdjustHandles="1" noChangeArrowheads="1" noChangeShapeType="1" noTextEdit="1"/>
+          </p:cNvSpPr>
+          <p:nvPr>
+            <p:extLst>
+              <p:ext uri="{386F3935-93C4-4BCD-93E2-E3B085C9AB24}">
+                <p16:designElem xmlns:p16="http://schemas.microsoft.com/office/powerpoint/2015/main" val="1"/>
+              </p:ext>
+            </p:extLst>
+          </p:nvPr>
+        </p:nvSpPr>
+        <p:spPr>
+          <a:xfrm flipH="1">
+            <a:off x="-15875" y="-3"/>
+            <a:ext cx="12233581" cy="6868076"/>
+          </a:xfrm>
+          <a:prstGeom prst="rect">
+            <a:avLst/>
+          </a:prstGeom>
+          <a:gradFill>
+            <a:gsLst>
+              <a:gs pos="3000">
+                <a:schemeClr val="accent1">
+                  <a:lumMod val="75000"/>
+                  <a:alpha val="0"/>
+                </a:schemeClr>
+              </a:gs>
+              <a:gs pos="100000">
+                <a:srgbClr val="000000">
+                  <a:alpha val="73000"/>
+                </a:srgbClr>
+              </a:gs>
+            </a:gsLst>
+            <a:lin ang="17400000" scaled="0"/>
+          </a:gradFill>
+          <a:ln>
+            <a:noFill/>
+          </a:ln>
+        </p:spPr>
+        <p:style>
+          <a:lnRef idx="2">
+            <a:schemeClr val="accent1">
+              <a:shade val="50000"/>
+            </a:schemeClr>
+          </a:lnRef>
+          <a:fillRef idx="1">
+            <a:schemeClr val="accent1"/>
+          </a:fillRef>
+          <a:effectRef idx="0">
+            <a:schemeClr val="accent1"/>
+          </a:effectRef>
+          <a:fontRef idx="minor">
+            <a:schemeClr val="lt1"/>
+          </a:fontRef>
+        </p:style>
+        <p:txBody>
+          <a:bodyPr rtlCol="0" anchor="ctr"/>
+          <a:lstStyle/>
+          <a:p>
+            <a:pPr algn="ctr"/>
+            <a:endParaRPr lang="en-US"/>
+          </a:p>
+        </p:txBody>
+      </p:sp>
+      <p:sp>
+        <p:nvSpPr>
+          <p:cNvPr id="35" name="Rectangle 34">
+            <a:extLst>
+              <a:ext uri="{FF2B5EF4-FFF2-40B4-BE49-F238E27FC236}">
+                <a16:creationId xmlns:a16="http://schemas.microsoft.com/office/drawing/2014/main" id="{646B67A4-D328-4747-A82B-65E84FA46368}"/>
+              </a:ext>
+              <a:ext uri="{C183D7F6-B498-43B3-948B-1728B52AA6E4}">
+                <adec:decorative xmlns:adec="http://schemas.microsoft.com/office/drawing/2017/decorative" val="1"/>
+              </a:ext>
+            </a:extLst>
+          </p:cNvPr>
+          <p:cNvSpPr>
+            <a:spLocks noGrp="1" noRot="1" noChangeAspect="1" noMove="1" noResize="1" noEditPoints="1" noAdjustHandles="1" noChangeArrowheads="1" noChangeShapeType="1" noTextEdit="1"/>
+          </p:cNvSpPr>
+          <p:nvPr>
+            <p:extLst>
+              <p:ext uri="{386F3935-93C4-4BCD-93E2-E3B085C9AB24}">
+                <p16:designElem xmlns:p16="http://schemas.microsoft.com/office/powerpoint/2015/main" val="1"/>
+              </p:ext>
+            </p:extLst>
+          </p:nvPr>
+        </p:nvSpPr>
+        <p:spPr>
+          <a:xfrm rot="5400000" flipH="1">
+            <a:off x="4484334" y="-861824"/>
+            <a:ext cx="6861931" cy="8597859"/>
+          </a:xfrm>
+          <a:prstGeom prst="rect">
+            <a:avLst/>
+          </a:prstGeom>
+          <a:gradFill>
+            <a:gsLst>
+              <a:gs pos="3000">
+                <a:schemeClr val="accent1">
+                  <a:lumMod val="75000"/>
+                  <a:alpha val="0"/>
+                </a:schemeClr>
+              </a:gs>
+              <a:gs pos="100000">
+                <a:srgbClr val="000000">
+                  <a:alpha val="27000"/>
+                </a:srgbClr>
+              </a:gs>
+            </a:gsLst>
+            <a:lin ang="13800000" scaled="0"/>
+          </a:gradFill>
+          <a:ln>
+            <a:noFill/>
+          </a:ln>
+        </p:spPr>
+        <p:style>
+          <a:lnRef idx="2">
+            <a:schemeClr val="accent1">
+              <a:shade val="50000"/>
+            </a:schemeClr>
+          </a:lnRef>
+          <a:fillRef idx="1">
+            <a:schemeClr val="accent1"/>
+          </a:fillRef>
+          <a:effectRef idx="0">
+            <a:schemeClr val="accent1"/>
+          </a:effectRef>
+          <a:fontRef idx="minor">
+            <a:schemeClr val="lt1"/>
+          </a:fontRef>
+        </p:style>
+        <p:txBody>
+          <a:bodyPr rtlCol="0" anchor="ctr"/>
+          <a:lstStyle/>
+          <a:p>
+            <a:pPr algn="ctr"/>
+            <a:endParaRPr lang="en-US"/>
+          </a:p>
+        </p:txBody>
+      </p:sp>
+      <p:sp>
+        <p:nvSpPr>
+          <p:cNvPr id="37" name="Oval 36">
+            <a:extLst>
+              <a:ext uri="{FF2B5EF4-FFF2-40B4-BE49-F238E27FC236}">
+                <a16:creationId xmlns:a16="http://schemas.microsoft.com/office/drawing/2014/main" id="{B5A1B09C-1565-46F8-B70F-621C5EB48A09}"/>
+              </a:ext>
+              <a:ext uri="{C183D7F6-B498-43B3-948B-1728B52AA6E4}">
+                <adec:decorative xmlns:adec="http://schemas.microsoft.com/office/drawing/2017/decorative" val="1"/>
+              </a:ext>
+            </a:extLst>
+          </p:cNvPr>
+          <p:cNvSpPr>
+            <a:spLocks noGrp="1" noRot="1" noChangeAspect="1" noMove="1" noResize="1" noEditPoints="1" noAdjustHandles="1" noChangeArrowheads="1" noChangeShapeType="1" noTextEdit="1"/>
+          </p:cNvSpPr>
+          <p:nvPr>
+            <p:extLst>
+              <p:ext uri="{386F3935-93C4-4BCD-93E2-E3B085C9AB24}">
+                <p16:designElem xmlns:p16="http://schemas.microsoft.com/office/powerpoint/2015/main" val="1"/>
+              </p:ext>
+            </p:extLst>
+          </p:nvPr>
+        </p:nvSpPr>
+        <p:spPr>
+          <a:xfrm rot="5993193">
+            <a:off x="1186972" y="1089049"/>
+            <a:ext cx="4967533" cy="4988390"/>
+          </a:xfrm>
+          <a:prstGeom prst="ellipse">
+            <a:avLst/>
+          </a:prstGeom>
+          <a:gradFill>
+            <a:gsLst>
+              <a:gs pos="0">
+                <a:schemeClr val="accent1">
+                  <a:alpha val="26000"/>
+                </a:schemeClr>
+              </a:gs>
+              <a:gs pos="85000">
+                <a:schemeClr val="accent1">
+                  <a:lumMod val="60000"/>
+                  <a:lumOff val="40000"/>
+                  <a:alpha val="0"/>
+                </a:schemeClr>
+              </a:gs>
+            </a:gsLst>
+            <a:lin ang="14400000" scaled="0"/>
+          </a:gradFill>
+          <a:ln>
+            <a:noFill/>
+          </a:ln>
+        </p:spPr>
+        <p:style>
+          <a:lnRef idx="2">
+            <a:schemeClr val="accent1">
+              <a:shade val="50000"/>
+            </a:schemeClr>
+          </a:lnRef>
+          <a:fillRef idx="1">
+            <a:schemeClr val="accent1"/>
+          </a:fillRef>
+          <a:effectRef idx="0">
+            <a:schemeClr val="accent1"/>
+          </a:effectRef>
+          <a:fontRef idx="minor">
+            <a:schemeClr val="lt1"/>
+          </a:fontRef>
+        </p:style>
+        <p:txBody>
+          <a:bodyPr rtlCol="0" anchor="ctr"/>
+          <a:lstStyle/>
+          <a:p>
+            <a:pPr algn="ctr"/>
+            <a:endParaRPr lang="en-US" dirty="0"/>
+          </a:p>
+        </p:txBody>
+      </p:sp>
+      <p:sp>
+        <p:nvSpPr>
+          <p:cNvPr id="7" name="AutoShape 12" descr="500+ Machine Learning Pictures | Download Free Images on Unsplash">
+            <a:extLst>
+              <a:ext uri="{FF2B5EF4-FFF2-40B4-BE49-F238E27FC236}">
+                <a16:creationId xmlns:a16="http://schemas.microsoft.com/office/drawing/2014/main" id="{8B5AEA94-03C3-4172-909A-9715B4D44ABC}"/>
+              </a:ext>
+            </a:extLst>
+          </p:cNvPr>
+          <p:cNvSpPr txBox="1">
+            <a:spLocks noChangeAspect="1" noChangeArrowheads="1"/>
+          </p:cNvSpPr>
+          <p:nvPr/>
+        </p:nvSpPr>
+        <p:spPr bwMode="auto">
+          <a:xfrm>
+            <a:off x="6378101" y="715609"/>
+            <a:ext cx="5447715" cy="700326"/>
+          </a:xfrm>
+          <a:prstGeom prst="rect">
+            <a:avLst/>
+          </a:prstGeom>
+          <a:extLst>
+            <a:ext uri="{909E8E84-426E-40DD-AFC4-6F175D3DCCD1}">
+              <a14:hiddenFill xmlns:a14="http://schemas.microsoft.com/office/drawing/2010/main">
+                <a:solidFill>
+                  <a:srgbClr val="FFFFFF"/>
+                </a:solidFill>
+              </a14:hiddenFill>
+            </a:ext>
+          </a:extLst>
+        </p:spPr>
+        <p:txBody>
+          <a:bodyPr vert="horz" lIns="91440" tIns="45720" rIns="91440" bIns="45720" numCol="1" rtlCol="0" anchor="b" anchorCtr="0" compatLnSpc="1">
+            <a:prstTxWarp prst="textNoShape">
+              <a:avLst/>
+            </a:prstTxWarp>
+            <a:normAutofit lnSpcReduction="10000"/>
+          </a:bodyPr>
+          <a:lstStyle>
+            <a:lvl1pPr algn="l" defTabSz="914400" rtl="0" eaLnBrk="1" latinLnBrk="0" hangingPunct="1">
+              <a:lnSpc>
+                <a:spcPct val="90000"/>
+              </a:lnSpc>
+              <a:spcBef>
+                <a:spcPct val="0"/>
+              </a:spcBef>
+              <a:buNone/>
+              <a:defRPr sz="4400" kern="1200">
+                <a:solidFill>
+                  <a:schemeClr val="tx1"/>
+                </a:solidFill>
+                <a:latin typeface="+mj-lt"/>
+                <a:ea typeface="+mj-ea"/>
+                <a:cs typeface="+mj-cs"/>
+              </a:defRPr>
+            </a:lvl1pPr>
+          </a:lstStyle>
+          <a:p>
+            <a:pPr>
+              <a:spcAft>
+                <a:spcPts val="600"/>
+              </a:spcAft>
+            </a:pPr>
+            <a:r>
+              <a:rPr lang="en-US" sz="4800" kern="1200" dirty="0">
+                <a:solidFill>
+                  <a:srgbClr val="FFFFFF"/>
+                </a:solidFill>
+                <a:latin typeface="+mj-lt"/>
+                <a:ea typeface="+mj-ea"/>
+                <a:cs typeface="+mj-cs"/>
+              </a:rPr>
+              <a:t>Algorithms</a:t>
+            </a:r>
+          </a:p>
+        </p:txBody>
+      </p:sp>
+      <p:sp>
+        <p:nvSpPr>
+          <p:cNvPr id="39" name="Rectangle 38">
+            <a:extLst>
+              <a:ext uri="{FF2B5EF4-FFF2-40B4-BE49-F238E27FC236}">
+                <a16:creationId xmlns:a16="http://schemas.microsoft.com/office/drawing/2014/main" id="{8C516CC8-80AC-446C-A56E-9F54B7210402}"/>
+              </a:ext>
+              <a:ext uri="{C183D7F6-B498-43B3-948B-1728B52AA6E4}">
+                <adec:decorative xmlns:adec="http://schemas.microsoft.com/office/drawing/2017/decorative" val="1"/>
+              </a:ext>
+            </a:extLst>
+          </p:cNvPr>
+          <p:cNvSpPr>
+            <a:spLocks noGrp="1" noRot="1" noChangeAspect="1" noMove="1" noResize="1" noEditPoints="1" noAdjustHandles="1" noChangeArrowheads="1" noChangeShapeType="1" noTextEdit="1"/>
+          </p:cNvSpPr>
+          <p:nvPr>
+            <p:extLst>
+              <p:ext uri="{386F3935-93C4-4BCD-93E2-E3B085C9AB24}">
+                <p16:designElem xmlns:p16="http://schemas.microsoft.com/office/powerpoint/2015/main" val="1"/>
+              </p:ext>
+            </p:extLst>
+          </p:nvPr>
+        </p:nvSpPr>
+        <p:spPr>
+          <a:xfrm flipH="1">
+            <a:off x="-3" y="4490110"/>
+            <a:ext cx="12217710" cy="2377962"/>
+          </a:xfrm>
+          <a:prstGeom prst="rect">
+            <a:avLst/>
+          </a:prstGeom>
+          <a:gradFill>
+            <a:gsLst>
+              <a:gs pos="0">
+                <a:schemeClr val="accent1">
+                  <a:lumMod val="75000"/>
+                  <a:alpha val="50000"/>
+                </a:schemeClr>
+              </a:gs>
+              <a:gs pos="99000">
+                <a:srgbClr val="000000">
+                  <a:alpha val="34000"/>
+                </a:srgbClr>
+              </a:gs>
+            </a:gsLst>
+            <a:lin ang="13200000" scaled="0"/>
+          </a:gradFill>
+          <a:ln>
+            <a:noFill/>
+          </a:ln>
+        </p:spPr>
+        <p:style>
+          <a:lnRef idx="2">
+            <a:schemeClr val="accent1">
+              <a:shade val="50000"/>
+            </a:schemeClr>
+          </a:lnRef>
+          <a:fillRef idx="1">
+            <a:schemeClr val="accent1"/>
+          </a:fillRef>
+          <a:effectRef idx="0">
+            <a:schemeClr val="accent1"/>
+          </a:effectRef>
+          <a:fontRef idx="minor">
+            <a:schemeClr val="lt1"/>
+          </a:fontRef>
+        </p:style>
+        <p:txBody>
+          <a:bodyPr rtlCol="0" anchor="ctr"/>
+          <a:lstStyle/>
+          <a:p>
+            <a:pPr algn="ctr"/>
+            <a:endParaRPr lang="en-US"/>
+          </a:p>
+        </p:txBody>
+      </p:sp>
+      <p:sp>
+        <p:nvSpPr>
+          <p:cNvPr id="38" name="Subtitle 2">
+            <a:extLst>
+              <a:ext uri="{FF2B5EF4-FFF2-40B4-BE49-F238E27FC236}">
+                <a16:creationId xmlns:a16="http://schemas.microsoft.com/office/drawing/2014/main" id="{E59A6FF8-AA10-8826-D58D-7F3F43E4B406}"/>
+              </a:ext>
+            </a:extLst>
+          </p:cNvPr>
+          <p:cNvSpPr txBox="1">
+            <a:spLocks/>
+          </p:cNvSpPr>
+          <p:nvPr/>
+        </p:nvSpPr>
+        <p:spPr>
+          <a:xfrm>
+            <a:off x="6378101" y="1449391"/>
+            <a:ext cx="4840347" cy="823796"/>
+          </a:xfrm>
+          <a:prstGeom prst="rect">
+            <a:avLst/>
+          </a:prstGeom>
+        </p:spPr>
+        <p:txBody>
+          <a:bodyPr>
+            <a:normAutofit/>
+          </a:bodyPr>
+          <a:lstStyle>
+            <a:lvl1pPr marL="228600" indent="-228600" algn="l" defTabSz="914400" rtl="0" eaLnBrk="1" latinLnBrk="0" hangingPunct="1">
+              <a:lnSpc>
+                <a:spcPct val="90000"/>
+              </a:lnSpc>
+              <a:spcBef>
+                <a:spcPts val="1000"/>
+              </a:spcBef>
+              <a:buFont typeface="Arial" panose="020B0604020202020204" pitchFamily="34" charset="0"/>
+              <a:buChar char="•"/>
+              <a:defRPr sz="2800" kern="1200">
+                <a:solidFill>
+                  <a:schemeClr val="tx1"/>
+                </a:solidFill>
+                <a:latin typeface="+mn-lt"/>
+                <a:ea typeface="+mn-ea"/>
+                <a:cs typeface="+mn-cs"/>
+              </a:defRPr>
+            </a:lvl1pPr>
+            <a:lvl2pPr marL="685800" indent="-228600" algn="l" defTabSz="914400" rtl="0" eaLnBrk="1" latinLnBrk="0" hangingPunct="1">
+              <a:lnSpc>
+                <a:spcPct val="90000"/>
+              </a:lnSpc>
+              <a:spcBef>
+                <a:spcPts val="500"/>
+              </a:spcBef>
+              <a:buFont typeface="Arial" panose="020B0604020202020204" pitchFamily="34" charset="0"/>
+              <a:buChar char="•"/>
+              <a:defRPr sz="2400" kern="1200">
+                <a:solidFill>
+                  <a:schemeClr val="tx1"/>
+                </a:solidFill>
+                <a:latin typeface="+mn-lt"/>
+                <a:ea typeface="+mn-ea"/>
+                <a:cs typeface="+mn-cs"/>
+              </a:defRPr>
+            </a:lvl2pPr>
+            <a:lvl3pPr marL="1143000" indent="-228600" algn="l" defTabSz="914400" rtl="0" eaLnBrk="1" latinLnBrk="0" hangingPunct="1">
+              <a:lnSpc>
+                <a:spcPct val="90000"/>
+              </a:lnSpc>
+              <a:spcBef>
+                <a:spcPts val="500"/>
+              </a:spcBef>
+              <a:buFont typeface="Arial" panose="020B0604020202020204" pitchFamily="34" charset="0"/>
+              <a:buChar char="•"/>
+              <a:defRPr sz="2000" kern="1200">
+                <a:solidFill>
+                  <a:schemeClr val="tx1"/>
+                </a:solidFill>
+                <a:latin typeface="+mn-lt"/>
+                <a:ea typeface="+mn-ea"/>
+                <a:cs typeface="+mn-cs"/>
+              </a:defRPr>
+            </a:lvl3pPr>
+            <a:lvl4pPr marL="1600200" indent="-228600" algn="l" defTabSz="914400" rtl="0" eaLnBrk="1" latinLnBrk="0" hangingPunct="1">
+              <a:lnSpc>
+                <a:spcPct val="90000"/>
+              </a:lnSpc>
+              <a:spcBef>
+                <a:spcPts val="500"/>
+              </a:spcBef>
+              <a:buFont typeface="Arial" panose="020B0604020202020204" pitchFamily="34" charset="0"/>
+              <a:buChar char="•"/>
+              <a:defRPr sz="1800" kern="1200">
+                <a:solidFill>
+                  <a:schemeClr val="tx1"/>
+                </a:solidFill>
+                <a:latin typeface="+mn-lt"/>
+                <a:ea typeface="+mn-ea"/>
+                <a:cs typeface="+mn-cs"/>
+              </a:defRPr>
+            </a:lvl4pPr>
+            <a:lvl5pPr marL="2057400" indent="-228600" algn="l" defTabSz="914400" rtl="0" eaLnBrk="1" latinLnBrk="0" hangingPunct="1">
+              <a:lnSpc>
+                <a:spcPct val="90000"/>
+              </a:lnSpc>
+              <a:spcBef>
+                <a:spcPts val="500"/>
+              </a:spcBef>
+              <a:buFont typeface="Arial" panose="020B0604020202020204" pitchFamily="34" charset="0"/>
+              <a:buChar char="•"/>
+              <a:defRPr sz="1800" kern="1200">
+                <a:solidFill>
+                  <a:schemeClr val="tx1"/>
+                </a:solidFill>
+                <a:latin typeface="+mn-lt"/>
+                <a:ea typeface="+mn-ea"/>
+                <a:cs typeface="+mn-cs"/>
+              </a:defRPr>
+            </a:lvl5pPr>
+            <a:lvl6pPr marL="2514600" indent="-228600" algn="l" defTabSz="914400" rtl="0" eaLnBrk="1" latinLnBrk="0" hangingPunct="1">
+              <a:lnSpc>
+                <a:spcPct val="90000"/>
+              </a:lnSpc>
+              <a:spcBef>
+                <a:spcPts val="500"/>
+              </a:spcBef>
+              <a:buFont typeface="Arial" panose="020B0604020202020204" pitchFamily="34" charset="0"/>
+              <a:buChar char="•"/>
+              <a:defRPr sz="1800" kern="1200">
+                <a:solidFill>
+                  <a:schemeClr val="tx1"/>
+                </a:solidFill>
+                <a:latin typeface="+mn-lt"/>
+                <a:ea typeface="+mn-ea"/>
+                <a:cs typeface="+mn-cs"/>
+              </a:defRPr>
+            </a:lvl6pPr>
+            <a:lvl7pPr marL="2971800" indent="-228600" algn="l" defTabSz="914400" rtl="0" eaLnBrk="1" latinLnBrk="0" hangingPunct="1">
+              <a:lnSpc>
+                <a:spcPct val="90000"/>
+              </a:lnSpc>
+              <a:spcBef>
+                <a:spcPts val="500"/>
+              </a:spcBef>
+              <a:buFont typeface="Arial" panose="020B0604020202020204" pitchFamily="34" charset="0"/>
+              <a:buChar char="•"/>
+              <a:defRPr sz="1800" kern="1200">
+                <a:solidFill>
+                  <a:schemeClr val="tx1"/>
+                </a:solidFill>
+                <a:latin typeface="+mn-lt"/>
+                <a:ea typeface="+mn-ea"/>
+                <a:cs typeface="+mn-cs"/>
+              </a:defRPr>
+            </a:lvl7pPr>
+            <a:lvl8pPr marL="3429000" indent="-228600" algn="l" defTabSz="914400" rtl="0" eaLnBrk="1" latinLnBrk="0" hangingPunct="1">
+              <a:lnSpc>
+                <a:spcPct val="90000"/>
+              </a:lnSpc>
+              <a:spcBef>
+                <a:spcPts val="500"/>
+              </a:spcBef>
+              <a:buFont typeface="Arial" panose="020B0604020202020204" pitchFamily="34" charset="0"/>
+              <a:buChar char="•"/>
+              <a:defRPr sz="1800" kern="1200">
+                <a:solidFill>
+                  <a:schemeClr val="tx1"/>
+                </a:solidFill>
+                <a:latin typeface="+mn-lt"/>
+                <a:ea typeface="+mn-ea"/>
+                <a:cs typeface="+mn-cs"/>
+              </a:defRPr>
+            </a:lvl8pPr>
+            <a:lvl9pPr marL="3886200" indent="-228600" algn="l" defTabSz="914400" rtl="0" eaLnBrk="1" latinLnBrk="0" hangingPunct="1">
+              <a:lnSpc>
+                <a:spcPct val="90000"/>
+              </a:lnSpc>
+              <a:spcBef>
+                <a:spcPts val="500"/>
+              </a:spcBef>
+              <a:buFont typeface="Arial" panose="020B0604020202020204" pitchFamily="34" charset="0"/>
+              <a:buChar char="•"/>
+              <a:defRPr sz="1800" kern="1200">
+                <a:solidFill>
+                  <a:schemeClr val="tx1"/>
+                </a:solidFill>
+                <a:latin typeface="+mn-lt"/>
+                <a:ea typeface="+mn-ea"/>
+                <a:cs typeface="+mn-cs"/>
+              </a:defRPr>
+            </a:lvl9pPr>
+          </a:lstStyle>
+          <a:p>
+            <a:pPr marL="0" indent="0" rtl="0" eaLnBrk="1" latinLnBrk="0" hangingPunct="1">
+              <a:spcBef>
+                <a:spcPts val="0"/>
+              </a:spcBef>
+              <a:spcAft>
+                <a:spcPts val="0"/>
+              </a:spcAft>
+              <a:buNone/>
+            </a:pPr>
+            <a:r>
+              <a:rPr lang="en-US" sz="1800" kern="1200" dirty="0">
+                <a:solidFill>
+                  <a:srgbClr val="FFFFFF"/>
+                </a:solidFill>
+                <a:effectLst/>
+                <a:latin typeface="Aptos" panose="020B0004020202020204" pitchFamily="34" charset="0"/>
+                <a:ea typeface="+mn-ea"/>
+                <a:cs typeface="+mn-cs"/>
+              </a:rPr>
+              <a:t>An algorithm is a series of simple instructions </a:t>
+            </a:r>
+            <a:endParaRPr lang="en-US" sz="1400" dirty="0">
+              <a:effectLst/>
+            </a:endParaRPr>
+          </a:p>
+          <a:p>
+            <a:pPr marL="0" indent="0" rtl="0" eaLnBrk="1" latinLnBrk="0" hangingPunct="1">
+              <a:spcBef>
+                <a:spcPts val="0"/>
+              </a:spcBef>
+              <a:spcAft>
+                <a:spcPts val="0"/>
+              </a:spcAft>
+              <a:buNone/>
+            </a:pPr>
+            <a:r>
+              <a:rPr lang="en-US" sz="1800" kern="1200" dirty="0">
+                <a:solidFill>
+                  <a:srgbClr val="FFFFFF"/>
+                </a:solidFill>
+                <a:effectLst/>
+                <a:latin typeface="Aptos" panose="020B0004020202020204" pitchFamily="34" charset="0"/>
+                <a:ea typeface="+mn-ea"/>
+                <a:cs typeface="+mn-cs"/>
+              </a:rPr>
+              <a:t>that achieve a goal when executed in order</a:t>
+            </a:r>
+            <a:endParaRPr lang="en-US" sz="1400" dirty="0">
+              <a:effectLst/>
+            </a:endParaRPr>
+          </a:p>
+        </p:txBody>
+      </p:sp>
+      <p:sp>
+        <p:nvSpPr>
+          <p:cNvPr id="42" name="TextBox 41">
+            <a:extLst>
+              <a:ext uri="{FF2B5EF4-FFF2-40B4-BE49-F238E27FC236}">
+                <a16:creationId xmlns:a16="http://schemas.microsoft.com/office/drawing/2014/main" id="{BEC6C566-94C6-4D36-D1BD-57A0BA2597CF}"/>
               </a:ext>
             </a:extLst>
           </p:cNvPr>
@@ -3825,8 +4770,8 @@
         </p:nvSpPr>
         <p:spPr>
           <a:xfrm>
-            <a:off x="5638800" y="2971800"/>
-            <a:ext cx="914400" cy="369332"/>
+            <a:off x="6378104" y="3527956"/>
+            <a:ext cx="5671553" cy="2308324"/>
           </a:xfrm>
           <a:prstGeom prst="rect">
             <a:avLst/>
@@ -3834,11 +4779,876 @@
           <a:noFill/>
         </p:spPr>
         <p:txBody>
-          <a:bodyPr wrap="square" rtlCol="0">
+          <a:bodyPr wrap="none" rtlCol="0">
             <a:spAutoFit/>
           </a:bodyPr>
           <a:lstStyle/>
           <a:p>
+            <a:pPr marL="342900" indent="-342900">
+              <a:buFont typeface="+mj-lt"/>
+              <a:buAutoNum type="arabicPeriod"/>
+            </a:pPr>
+            <a:r>
+              <a:rPr lang="en-US" dirty="0">
+                <a:solidFill>
+                  <a:schemeClr val="bg1"/>
+                </a:solidFill>
+              </a:rPr>
+              <a:t>Initialize an integer ‘</a:t>
+            </a:r>
+            <a:r>
+              <a:rPr lang="en-US" dirty="0" err="1">
+                <a:solidFill>
+                  <a:schemeClr val="bg1"/>
+                </a:solidFill>
+              </a:rPr>
+              <a:t>sortedTill</a:t>
+            </a:r>
+            <a:r>
+              <a:rPr lang="en-US" dirty="0">
+                <a:solidFill>
+                  <a:schemeClr val="bg1"/>
+                </a:solidFill>
+              </a:rPr>
+              <a:t>’ to 0.</a:t>
+            </a:r>
+          </a:p>
+          <a:p>
+            <a:pPr marL="342900" indent="-342900">
+              <a:buFont typeface="+mj-lt"/>
+              <a:buAutoNum type="arabicPeriod"/>
+            </a:pPr>
+            <a:r>
+              <a:rPr lang="en-US" dirty="0">
+                <a:solidFill>
+                  <a:schemeClr val="bg1"/>
+                </a:solidFill>
+              </a:rPr>
+              <a:t>Find the index of the smallest number in ‘</a:t>
+            </a:r>
+            <a:r>
+              <a:rPr lang="en-US" dirty="0" err="1">
+                <a:solidFill>
+                  <a:schemeClr val="bg1"/>
+                </a:solidFill>
+              </a:rPr>
+              <a:t>inputArray</a:t>
+            </a:r>
+            <a:r>
+              <a:rPr lang="en-US" dirty="0">
+                <a:solidFill>
+                  <a:schemeClr val="bg1"/>
+                </a:solidFill>
+              </a:rPr>
+              <a:t>’</a:t>
+            </a:r>
+          </a:p>
+          <a:p>
+            <a:r>
+              <a:rPr lang="en-US" dirty="0">
+                <a:solidFill>
+                  <a:schemeClr val="bg1"/>
+                </a:solidFill>
+              </a:rPr>
+              <a:t>       between indices ‘</a:t>
+            </a:r>
+            <a:r>
+              <a:rPr lang="en-US" dirty="0" err="1">
+                <a:solidFill>
+                  <a:schemeClr val="bg1"/>
+                </a:solidFill>
+              </a:rPr>
+              <a:t>sortedTill</a:t>
+            </a:r>
+            <a:r>
+              <a:rPr lang="en-US" dirty="0">
+                <a:solidFill>
+                  <a:schemeClr val="bg1"/>
+                </a:solidFill>
+              </a:rPr>
+              <a:t>’ and ‘</a:t>
+            </a:r>
+            <a:r>
+              <a:rPr lang="en-US" dirty="0" err="1">
+                <a:solidFill>
+                  <a:schemeClr val="bg1"/>
+                </a:solidFill>
+              </a:rPr>
+              <a:t>inputArray.length</a:t>
+            </a:r>
+            <a:r>
+              <a:rPr lang="en-US" dirty="0">
+                <a:solidFill>
+                  <a:schemeClr val="bg1"/>
+                </a:solidFill>
+              </a:rPr>
+              <a:t>’ </a:t>
+            </a:r>
+          </a:p>
+          <a:p>
+            <a:r>
+              <a:rPr lang="en-US" dirty="0">
+                <a:solidFill>
+                  <a:schemeClr val="bg1"/>
+                </a:solidFill>
+              </a:rPr>
+              <a:t>       and assign it to a variable ‘</a:t>
+            </a:r>
+            <a:r>
+              <a:rPr lang="en-US" dirty="0" err="1">
+                <a:solidFill>
+                  <a:schemeClr val="bg1"/>
+                </a:solidFill>
+              </a:rPr>
+              <a:t>minIndex</a:t>
+            </a:r>
+            <a:r>
+              <a:rPr lang="en-US" dirty="0">
+                <a:solidFill>
+                  <a:schemeClr val="bg1"/>
+                </a:solidFill>
+              </a:rPr>
+              <a:t>’. </a:t>
+            </a:r>
+          </a:p>
+          <a:p>
+            <a:r>
+              <a:rPr lang="en-US" dirty="0">
+                <a:solidFill>
+                  <a:schemeClr val="bg1"/>
+                </a:solidFill>
+              </a:rPr>
+              <a:t>3.   Swap the numbers at ‘</a:t>
+            </a:r>
+            <a:r>
+              <a:rPr lang="en-US" dirty="0" err="1">
+                <a:solidFill>
+                  <a:schemeClr val="bg1"/>
+                </a:solidFill>
+              </a:rPr>
+              <a:t>minIndex</a:t>
+            </a:r>
+            <a:r>
+              <a:rPr lang="en-US" dirty="0">
+                <a:solidFill>
+                  <a:schemeClr val="bg1"/>
+                </a:solidFill>
+              </a:rPr>
+              <a:t>’ and ‘</a:t>
+            </a:r>
+            <a:r>
+              <a:rPr lang="en-US" dirty="0" err="1">
+                <a:solidFill>
+                  <a:schemeClr val="bg1"/>
+                </a:solidFill>
+              </a:rPr>
+              <a:t>sortedTill</a:t>
+            </a:r>
+            <a:r>
+              <a:rPr lang="en-US" dirty="0">
+                <a:solidFill>
+                  <a:schemeClr val="bg1"/>
+                </a:solidFill>
+              </a:rPr>
+              <a:t>’. </a:t>
+            </a:r>
+          </a:p>
+          <a:p>
+            <a:pPr marL="342900" indent="-342900">
+              <a:buAutoNum type="arabicPeriod" startAt="4"/>
+            </a:pPr>
+            <a:r>
+              <a:rPr lang="en-US" dirty="0">
+                <a:solidFill>
+                  <a:schemeClr val="bg1"/>
+                </a:solidFill>
+              </a:rPr>
+              <a:t>Increment ‘</a:t>
+            </a:r>
+            <a:r>
+              <a:rPr lang="en-US" dirty="0" err="1">
+                <a:solidFill>
+                  <a:schemeClr val="bg1"/>
+                </a:solidFill>
+              </a:rPr>
+              <a:t>sortedTill</a:t>
+            </a:r>
+            <a:r>
+              <a:rPr lang="en-US" dirty="0">
+                <a:solidFill>
+                  <a:schemeClr val="bg1"/>
+                </a:solidFill>
+              </a:rPr>
+              <a:t>’ by 1.</a:t>
+            </a:r>
+          </a:p>
+          <a:p>
+            <a:pPr marL="342900" indent="-342900">
+              <a:buAutoNum type="arabicPeriod" startAt="4"/>
+            </a:pPr>
+            <a:r>
+              <a:rPr lang="en-US" dirty="0">
+                <a:solidFill>
+                  <a:schemeClr val="bg1"/>
+                </a:solidFill>
+              </a:rPr>
+              <a:t>Repeat steps 2 to 4 until ‘</a:t>
+            </a:r>
+            <a:r>
+              <a:rPr lang="en-US" dirty="0" err="1">
+                <a:solidFill>
+                  <a:schemeClr val="bg1"/>
+                </a:solidFill>
+              </a:rPr>
+              <a:t>sortedTill</a:t>
+            </a:r>
+            <a:r>
+              <a:rPr lang="en-US" dirty="0">
+                <a:solidFill>
+                  <a:schemeClr val="bg1"/>
+                </a:solidFill>
+              </a:rPr>
+              <a:t>’ is equal to </a:t>
+            </a:r>
+          </a:p>
+          <a:p>
+            <a:r>
+              <a:rPr lang="en-US" dirty="0">
+                <a:solidFill>
+                  <a:schemeClr val="bg1"/>
+                </a:solidFill>
+              </a:rPr>
+              <a:t>      ‘</a:t>
+            </a:r>
+            <a:r>
+              <a:rPr lang="en-US" dirty="0" err="1">
+                <a:solidFill>
+                  <a:schemeClr val="bg1"/>
+                </a:solidFill>
+              </a:rPr>
+              <a:t>inputArray.length</a:t>
+            </a:r>
+            <a:r>
+              <a:rPr lang="en-US" dirty="0">
+                <a:solidFill>
+                  <a:schemeClr val="bg1"/>
+                </a:solidFill>
+              </a:rPr>
+              <a:t>’.</a:t>
+            </a:r>
+          </a:p>
+        </p:txBody>
+      </p:sp>
+      <p:sp>
+        <p:nvSpPr>
+          <p:cNvPr id="43" name="Subtitle 2">
+            <a:hlinkClick r:id="rId2"/>
+            <a:extLst>
+              <a:ext uri="{FF2B5EF4-FFF2-40B4-BE49-F238E27FC236}">
+                <a16:creationId xmlns:a16="http://schemas.microsoft.com/office/drawing/2014/main" id="{7AFFEB00-A398-FBB0-1A68-F929E5506D3E}"/>
+              </a:ext>
+            </a:extLst>
+          </p:cNvPr>
+          <p:cNvSpPr txBox="1">
+            <a:spLocks/>
+          </p:cNvSpPr>
+          <p:nvPr/>
+        </p:nvSpPr>
+        <p:spPr>
+          <a:xfrm>
+            <a:off x="6378102" y="2773339"/>
+            <a:ext cx="4840347" cy="823796"/>
+          </a:xfrm>
+          <a:prstGeom prst="rect">
+            <a:avLst/>
+          </a:prstGeom>
+        </p:spPr>
+        <p:txBody>
+          <a:bodyPr>
+            <a:normAutofit/>
+          </a:bodyPr>
+          <a:lstStyle>
+            <a:lvl1pPr marL="228600" indent="-228600" algn="l" defTabSz="914400" rtl="0" eaLnBrk="1" latinLnBrk="0" hangingPunct="1">
+              <a:lnSpc>
+                <a:spcPct val="90000"/>
+              </a:lnSpc>
+              <a:spcBef>
+                <a:spcPts val="1000"/>
+              </a:spcBef>
+              <a:buFont typeface="Arial" panose="020B0604020202020204" pitchFamily="34" charset="0"/>
+              <a:buChar char="•"/>
+              <a:defRPr sz="2800" kern="1200">
+                <a:solidFill>
+                  <a:schemeClr val="tx1"/>
+                </a:solidFill>
+                <a:latin typeface="+mn-lt"/>
+                <a:ea typeface="+mn-ea"/>
+                <a:cs typeface="+mn-cs"/>
+              </a:defRPr>
+            </a:lvl1pPr>
+            <a:lvl2pPr marL="685800" indent="-228600" algn="l" defTabSz="914400" rtl="0" eaLnBrk="1" latinLnBrk="0" hangingPunct="1">
+              <a:lnSpc>
+                <a:spcPct val="90000"/>
+              </a:lnSpc>
+              <a:spcBef>
+                <a:spcPts val="500"/>
+              </a:spcBef>
+              <a:buFont typeface="Arial" panose="020B0604020202020204" pitchFamily="34" charset="0"/>
+              <a:buChar char="•"/>
+              <a:defRPr sz="2400" kern="1200">
+                <a:solidFill>
+                  <a:schemeClr val="tx1"/>
+                </a:solidFill>
+                <a:latin typeface="+mn-lt"/>
+                <a:ea typeface="+mn-ea"/>
+                <a:cs typeface="+mn-cs"/>
+              </a:defRPr>
+            </a:lvl2pPr>
+            <a:lvl3pPr marL="1143000" indent="-228600" algn="l" defTabSz="914400" rtl="0" eaLnBrk="1" latinLnBrk="0" hangingPunct="1">
+              <a:lnSpc>
+                <a:spcPct val="90000"/>
+              </a:lnSpc>
+              <a:spcBef>
+                <a:spcPts val="500"/>
+              </a:spcBef>
+              <a:buFont typeface="Arial" panose="020B0604020202020204" pitchFamily="34" charset="0"/>
+              <a:buChar char="•"/>
+              <a:defRPr sz="2000" kern="1200">
+                <a:solidFill>
+                  <a:schemeClr val="tx1"/>
+                </a:solidFill>
+                <a:latin typeface="+mn-lt"/>
+                <a:ea typeface="+mn-ea"/>
+                <a:cs typeface="+mn-cs"/>
+              </a:defRPr>
+            </a:lvl3pPr>
+            <a:lvl4pPr marL="1600200" indent="-228600" algn="l" defTabSz="914400" rtl="0" eaLnBrk="1" latinLnBrk="0" hangingPunct="1">
+              <a:lnSpc>
+                <a:spcPct val="90000"/>
+              </a:lnSpc>
+              <a:spcBef>
+                <a:spcPts val="500"/>
+              </a:spcBef>
+              <a:buFont typeface="Arial" panose="020B0604020202020204" pitchFamily="34" charset="0"/>
+              <a:buChar char="•"/>
+              <a:defRPr sz="1800" kern="1200">
+                <a:solidFill>
+                  <a:schemeClr val="tx1"/>
+                </a:solidFill>
+                <a:latin typeface="+mn-lt"/>
+                <a:ea typeface="+mn-ea"/>
+                <a:cs typeface="+mn-cs"/>
+              </a:defRPr>
+            </a:lvl4pPr>
+            <a:lvl5pPr marL="2057400" indent="-228600" algn="l" defTabSz="914400" rtl="0" eaLnBrk="1" latinLnBrk="0" hangingPunct="1">
+              <a:lnSpc>
+                <a:spcPct val="90000"/>
+              </a:lnSpc>
+              <a:spcBef>
+                <a:spcPts val="500"/>
+              </a:spcBef>
+              <a:buFont typeface="Arial" panose="020B0604020202020204" pitchFamily="34" charset="0"/>
+              <a:buChar char="•"/>
+              <a:defRPr sz="1800" kern="1200">
+                <a:solidFill>
+                  <a:schemeClr val="tx1"/>
+                </a:solidFill>
+                <a:latin typeface="+mn-lt"/>
+                <a:ea typeface="+mn-ea"/>
+                <a:cs typeface="+mn-cs"/>
+              </a:defRPr>
+            </a:lvl5pPr>
+            <a:lvl6pPr marL="2514600" indent="-228600" algn="l" defTabSz="914400" rtl="0" eaLnBrk="1" latinLnBrk="0" hangingPunct="1">
+              <a:lnSpc>
+                <a:spcPct val="90000"/>
+              </a:lnSpc>
+              <a:spcBef>
+                <a:spcPts val="500"/>
+              </a:spcBef>
+              <a:buFont typeface="Arial" panose="020B0604020202020204" pitchFamily="34" charset="0"/>
+              <a:buChar char="•"/>
+              <a:defRPr sz="1800" kern="1200">
+                <a:solidFill>
+                  <a:schemeClr val="tx1"/>
+                </a:solidFill>
+                <a:latin typeface="+mn-lt"/>
+                <a:ea typeface="+mn-ea"/>
+                <a:cs typeface="+mn-cs"/>
+              </a:defRPr>
+            </a:lvl6pPr>
+            <a:lvl7pPr marL="2971800" indent="-228600" algn="l" defTabSz="914400" rtl="0" eaLnBrk="1" latinLnBrk="0" hangingPunct="1">
+              <a:lnSpc>
+                <a:spcPct val="90000"/>
+              </a:lnSpc>
+              <a:spcBef>
+                <a:spcPts val="500"/>
+              </a:spcBef>
+              <a:buFont typeface="Arial" panose="020B0604020202020204" pitchFamily="34" charset="0"/>
+              <a:buChar char="•"/>
+              <a:defRPr sz="1800" kern="1200">
+                <a:solidFill>
+                  <a:schemeClr val="tx1"/>
+                </a:solidFill>
+                <a:latin typeface="+mn-lt"/>
+                <a:ea typeface="+mn-ea"/>
+                <a:cs typeface="+mn-cs"/>
+              </a:defRPr>
+            </a:lvl7pPr>
+            <a:lvl8pPr marL="3429000" indent="-228600" algn="l" defTabSz="914400" rtl="0" eaLnBrk="1" latinLnBrk="0" hangingPunct="1">
+              <a:lnSpc>
+                <a:spcPct val="90000"/>
+              </a:lnSpc>
+              <a:spcBef>
+                <a:spcPts val="500"/>
+              </a:spcBef>
+              <a:buFont typeface="Arial" panose="020B0604020202020204" pitchFamily="34" charset="0"/>
+              <a:buChar char="•"/>
+              <a:defRPr sz="1800" kern="1200">
+                <a:solidFill>
+                  <a:schemeClr val="tx1"/>
+                </a:solidFill>
+                <a:latin typeface="+mn-lt"/>
+                <a:ea typeface="+mn-ea"/>
+                <a:cs typeface="+mn-cs"/>
+              </a:defRPr>
+            </a:lvl8pPr>
+            <a:lvl9pPr marL="3886200" indent="-228600" algn="l" defTabSz="914400" rtl="0" eaLnBrk="1" latinLnBrk="0" hangingPunct="1">
+              <a:lnSpc>
+                <a:spcPct val="90000"/>
+              </a:lnSpc>
+              <a:spcBef>
+                <a:spcPts val="500"/>
+              </a:spcBef>
+              <a:buFont typeface="Arial" panose="020B0604020202020204" pitchFamily="34" charset="0"/>
+              <a:buChar char="•"/>
+              <a:defRPr sz="1800" kern="1200">
+                <a:solidFill>
+                  <a:schemeClr val="tx1"/>
+                </a:solidFill>
+                <a:latin typeface="+mn-lt"/>
+                <a:ea typeface="+mn-ea"/>
+                <a:cs typeface="+mn-cs"/>
+              </a:defRPr>
+            </a:lvl9pPr>
+          </a:lstStyle>
+          <a:p>
+            <a:pPr marL="0" indent="0" rtl="0" eaLnBrk="1" latinLnBrk="0" hangingPunct="1">
+              <a:spcBef>
+                <a:spcPts val="0"/>
+              </a:spcBef>
+              <a:spcAft>
+                <a:spcPts val="0"/>
+              </a:spcAft>
+              <a:buNone/>
+            </a:pPr>
+            <a:r>
+              <a:rPr lang="en-US" sz="1800" kern="1200" dirty="0">
+                <a:solidFill>
+                  <a:srgbClr val="FFFFFF"/>
+                </a:solidFill>
+                <a:effectLst/>
+                <a:latin typeface="Aptos" panose="020B0004020202020204" pitchFamily="34" charset="0"/>
+                <a:hlinkClick r:id="rId2"/>
+              </a:rPr>
+              <a:t>This is how selection sort follows some instructions and sorts an </a:t>
+            </a:r>
+            <a:r>
+              <a:rPr lang="en-US" sz="1800" dirty="0">
+                <a:solidFill>
+                  <a:srgbClr val="FFFFFF"/>
+                </a:solidFill>
+                <a:latin typeface="Aptos" panose="020B0004020202020204" pitchFamily="34" charset="0"/>
+                <a:hlinkClick r:id="rId2"/>
+              </a:rPr>
+              <a:t>array of numbers</a:t>
+            </a:r>
+            <a:endParaRPr lang="en-US" sz="1400" dirty="0">
+              <a:effectLst/>
+            </a:endParaRPr>
+          </a:p>
+        </p:txBody>
+      </p:sp>
+      <p:pic>
+        <p:nvPicPr>
+          <p:cNvPr id="49" name="Picture 48">
+            <a:extLst>
+              <a:ext uri="{FF2B5EF4-FFF2-40B4-BE49-F238E27FC236}">
+                <a16:creationId xmlns:a16="http://schemas.microsoft.com/office/drawing/2014/main" id="{4A6DC31E-B8D7-C434-4EF0-DA90EF3A9978}"/>
+              </a:ext>
+            </a:extLst>
+          </p:cNvPr>
+          <p:cNvPicPr>
+            <a:picLocks noChangeAspect="1"/>
+          </p:cNvPicPr>
+          <p:nvPr/>
+        </p:nvPicPr>
+        <p:blipFill>
+          <a:blip r:embed="rId3"/>
+          <a:stretch>
+            <a:fillRect/>
+          </a:stretch>
+        </p:blipFill>
+        <p:spPr>
+          <a:xfrm>
+            <a:off x="110227" y="887785"/>
+            <a:ext cx="6125531" cy="5098639"/>
+          </a:xfrm>
+          <a:prstGeom prst="rect">
+            <a:avLst/>
+          </a:prstGeom>
+        </p:spPr>
+      </p:pic>
+    </p:spTree>
+    <p:extLst>
+      <p:ext uri="{BB962C8B-B14F-4D97-AF65-F5344CB8AC3E}">
+        <p14:creationId xmlns:p14="http://schemas.microsoft.com/office/powerpoint/2010/main" val="4039524174"/>
+      </p:ext>
+    </p:extLst>
+  </p:cSld>
+  <p:clrMapOvr>
+    <a:masterClrMapping/>
+  </p:clrMapOvr>
+</p:sld>
+</file>
+
+<file path=ppt/slides/slide3.xml><?xml version="1.0" encoding="utf-8"?>
+<p:sld xmlns:a="http://schemas.openxmlformats.org/drawingml/2006/main" xmlns:r="http://schemas.openxmlformats.org/officeDocument/2006/relationships" xmlns:p="http://schemas.openxmlformats.org/presentationml/2006/main">
+  <p:cSld>
+    <p:spTree>
+      <p:nvGrpSpPr>
+        <p:cNvPr id="1" name=""/>
+        <p:cNvGrpSpPr/>
+        <p:nvPr/>
+      </p:nvGrpSpPr>
+      <p:grpSpPr>
+        <a:xfrm>
+          <a:off x="0" y="0"/>
+          <a:ext cx="0" cy="0"/>
+          <a:chOff x="0" y="0"/>
+          <a:chExt cx="0" cy="0"/>
+        </a:xfrm>
+      </p:grpSpPr>
+      <p:pic>
+        <p:nvPicPr>
+          <p:cNvPr id="5" name="Picture 4" descr="A diagram of a machine learning&#10;&#10;Description automatically generated">
+            <a:extLst>
+              <a:ext uri="{FF2B5EF4-FFF2-40B4-BE49-F238E27FC236}">
+                <a16:creationId xmlns:a16="http://schemas.microsoft.com/office/drawing/2014/main" id="{E837492E-F3E9-FE06-BDE0-C1FD30E93DA3}"/>
+              </a:ext>
+            </a:extLst>
+          </p:cNvPr>
+          <p:cNvPicPr>
+            <a:picLocks noChangeAspect="1"/>
+          </p:cNvPicPr>
+          <p:nvPr/>
+        </p:nvPicPr>
+        <p:blipFill>
+          <a:blip r:embed="rId2">
+            <a:extLst>
+              <a:ext uri="{28A0092B-C50C-407E-A947-70E740481C1C}">
+                <a14:useLocalDpi xmlns:a14="http://schemas.microsoft.com/office/drawing/2010/main" val="0"/>
+              </a:ext>
+            </a:extLst>
+          </a:blip>
+          <a:stretch>
+            <a:fillRect/>
+          </a:stretch>
+        </p:blipFill>
+        <p:spPr>
+          <a:xfrm>
+            <a:off x="-287537" y="918812"/>
+            <a:ext cx="6098344" cy="4964536"/>
+          </a:xfrm>
+          <a:prstGeom prst="rect">
+            <a:avLst/>
+          </a:prstGeom>
+        </p:spPr>
+      </p:pic>
+      <p:sp>
+        <p:nvSpPr>
+          <p:cNvPr id="10" name="TextBox 9">
+            <a:extLst>
+              <a:ext uri="{FF2B5EF4-FFF2-40B4-BE49-F238E27FC236}">
+                <a16:creationId xmlns:a16="http://schemas.microsoft.com/office/drawing/2014/main" id="{5E2A9F9A-A8CA-FFAC-EA5A-FB1E1528DAE2}"/>
+              </a:ext>
+            </a:extLst>
+          </p:cNvPr>
+          <p:cNvSpPr txBox="1"/>
+          <p:nvPr/>
+        </p:nvSpPr>
+        <p:spPr>
+          <a:xfrm>
+            <a:off x="6381194" y="403098"/>
+            <a:ext cx="6290186" cy="1200329"/>
+          </a:xfrm>
+          <a:prstGeom prst="rect">
+            <a:avLst/>
+          </a:prstGeom>
+          <a:noFill/>
+        </p:spPr>
+        <p:txBody>
+          <a:bodyPr wrap="square">
+            <a:spAutoFit/>
+          </a:bodyPr>
+          <a:lstStyle/>
+          <a:p>
+            <a:pPr algn="l"/>
+            <a:r>
+              <a:rPr lang="en-US" b="1" dirty="0">
+                <a:solidFill>
+                  <a:schemeClr val="bg1"/>
+                </a:solidFill>
+              </a:rPr>
+              <a:t>Artificial Intelligence</a:t>
+            </a:r>
+          </a:p>
+          <a:p>
+            <a:pPr algn="l"/>
+            <a:endParaRPr lang="en-US" b="1" dirty="0">
+              <a:solidFill>
+                <a:schemeClr val="bg1"/>
+              </a:solidFill>
+            </a:endParaRPr>
+          </a:p>
+          <a:p>
+            <a:pPr algn="l"/>
+            <a:r>
+              <a:rPr lang="en-US" sz="1800" dirty="0">
+                <a:solidFill>
+                  <a:schemeClr val="bg1"/>
+                </a:solidFill>
+              </a:rPr>
+              <a:t>Any machine that can </a:t>
+            </a:r>
+            <a:r>
+              <a:rPr lang="en-US" dirty="0">
+                <a:solidFill>
+                  <a:schemeClr val="bg1"/>
+                </a:solidFill>
+              </a:rPr>
+              <a:t>make decisions, either through</a:t>
+            </a:r>
+          </a:p>
+          <a:p>
+            <a:pPr algn="l"/>
+            <a:r>
+              <a:rPr lang="en-US" dirty="0">
+                <a:solidFill>
+                  <a:schemeClr val="bg1"/>
+                </a:solidFill>
+              </a:rPr>
+              <a:t>programmed logic </a:t>
+            </a:r>
+            <a:r>
+              <a:rPr lang="en-US" sz="1800" dirty="0">
+                <a:solidFill>
+                  <a:schemeClr val="bg1"/>
+                </a:solidFill>
+              </a:rPr>
+              <a:t>or by learning.</a:t>
+            </a:r>
+          </a:p>
+        </p:txBody>
+      </p:sp>
+      <p:sp>
+        <p:nvSpPr>
+          <p:cNvPr id="14" name="TextBox 13">
+            <a:extLst>
+              <a:ext uri="{FF2B5EF4-FFF2-40B4-BE49-F238E27FC236}">
+                <a16:creationId xmlns:a16="http://schemas.microsoft.com/office/drawing/2014/main" id="{A1474CBE-35CC-412E-CF79-87EF631FEBD5}"/>
+              </a:ext>
+            </a:extLst>
+          </p:cNvPr>
+          <p:cNvSpPr txBox="1"/>
+          <p:nvPr/>
+        </p:nvSpPr>
+        <p:spPr>
+          <a:xfrm>
+            <a:off x="6381194" y="2420366"/>
+            <a:ext cx="6569612" cy="1200329"/>
+          </a:xfrm>
+          <a:prstGeom prst="rect">
+            <a:avLst/>
+          </a:prstGeom>
+          <a:noFill/>
+        </p:spPr>
+        <p:txBody>
+          <a:bodyPr wrap="square">
+            <a:spAutoFit/>
+          </a:bodyPr>
+          <a:lstStyle/>
+          <a:p>
+            <a:pPr algn="l"/>
+            <a:r>
+              <a:rPr lang="en-US" b="1" dirty="0">
+                <a:solidFill>
+                  <a:schemeClr val="bg1"/>
+                </a:solidFill>
+              </a:rPr>
+              <a:t>Machine Learning</a:t>
+            </a:r>
+          </a:p>
+          <a:p>
+            <a:pPr algn="l"/>
+            <a:endParaRPr lang="en-US" b="1" dirty="0">
+              <a:solidFill>
+                <a:schemeClr val="bg1"/>
+              </a:solidFill>
+            </a:endParaRPr>
+          </a:p>
+          <a:p>
+            <a:pPr algn="l"/>
+            <a:r>
+              <a:rPr lang="en-US" sz="1800" dirty="0">
+                <a:solidFill>
+                  <a:schemeClr val="bg1"/>
+                </a:solidFill>
+              </a:rPr>
+              <a:t>A subset of AIs </a:t>
+            </a:r>
+            <a:r>
+              <a:rPr lang="en-US" dirty="0">
+                <a:solidFill>
+                  <a:schemeClr val="bg1"/>
+                </a:solidFill>
+              </a:rPr>
+              <a:t>with the </a:t>
+            </a:r>
+            <a:r>
+              <a:rPr lang="en-US" sz="1800" dirty="0">
+                <a:solidFill>
+                  <a:schemeClr val="bg1"/>
+                </a:solidFill>
+              </a:rPr>
+              <a:t>ability to learn patterns from</a:t>
+            </a:r>
+          </a:p>
+          <a:p>
+            <a:pPr algn="l"/>
+            <a:r>
+              <a:rPr lang="en-US" sz="1800" dirty="0">
+                <a:solidFill>
+                  <a:schemeClr val="bg1"/>
+                </a:solidFill>
+              </a:rPr>
+              <a:t>data</a:t>
+            </a:r>
+            <a:r>
+              <a:rPr lang="en-US" dirty="0">
+                <a:solidFill>
+                  <a:schemeClr val="bg1"/>
+                </a:solidFill>
+              </a:rPr>
+              <a:t>.</a:t>
+            </a:r>
+            <a:endParaRPr lang="en-US" sz="1800" dirty="0">
+              <a:solidFill>
+                <a:schemeClr val="bg1"/>
+              </a:solidFill>
+            </a:endParaRPr>
+          </a:p>
+        </p:txBody>
+      </p:sp>
+      <p:sp>
+        <p:nvSpPr>
+          <p:cNvPr id="16" name="TextBox 15">
+            <a:extLst>
+              <a:ext uri="{FF2B5EF4-FFF2-40B4-BE49-F238E27FC236}">
+                <a16:creationId xmlns:a16="http://schemas.microsoft.com/office/drawing/2014/main" id="{7E66AAB9-3A65-16E5-577B-0152BF8B8AE6}"/>
+              </a:ext>
+            </a:extLst>
+          </p:cNvPr>
+          <p:cNvSpPr txBox="1"/>
+          <p:nvPr/>
+        </p:nvSpPr>
+        <p:spPr>
+          <a:xfrm>
+            <a:off x="6381194" y="4437634"/>
+            <a:ext cx="6618848" cy="2031325"/>
+          </a:xfrm>
+          <a:prstGeom prst="rect">
+            <a:avLst/>
+          </a:prstGeom>
+          <a:noFill/>
+        </p:spPr>
+        <p:txBody>
+          <a:bodyPr wrap="square">
+            <a:spAutoFit/>
+          </a:bodyPr>
+          <a:lstStyle/>
+          <a:p>
+            <a:pPr algn="l"/>
+            <a:r>
+              <a:rPr lang="en-US" b="1" dirty="0">
+                <a:solidFill>
+                  <a:schemeClr val="bg1"/>
+                </a:solidFill>
+              </a:rPr>
+              <a:t>Deep Learning</a:t>
+            </a:r>
+          </a:p>
+          <a:p>
+            <a:pPr algn="l"/>
+            <a:endParaRPr lang="en-US" b="1" dirty="0">
+              <a:solidFill>
+                <a:schemeClr val="bg1"/>
+              </a:solidFill>
+            </a:endParaRPr>
+          </a:p>
+          <a:p>
+            <a:pPr algn="l"/>
+            <a:r>
+              <a:rPr lang="en-US" sz="1800" dirty="0">
+                <a:solidFill>
+                  <a:schemeClr val="bg1"/>
+                </a:solidFill>
+              </a:rPr>
+              <a:t>A subset of machine learning algorithms tha</a:t>
+            </a:r>
+            <a:r>
+              <a:rPr lang="en-US" dirty="0">
+                <a:solidFill>
+                  <a:schemeClr val="bg1"/>
+                </a:solidFill>
+              </a:rPr>
+              <a:t>t neural</a:t>
+            </a:r>
+          </a:p>
+          <a:p>
+            <a:pPr algn="l"/>
+            <a:r>
+              <a:rPr lang="en-US" dirty="0">
+                <a:solidFill>
+                  <a:schemeClr val="bg1"/>
+                </a:solidFill>
+              </a:rPr>
+              <a:t>networks with many layers, the most successful</a:t>
+            </a:r>
+          </a:p>
+          <a:p>
+            <a:pPr algn="l"/>
+            <a:r>
+              <a:rPr lang="en-US" dirty="0">
+                <a:solidFill>
+                  <a:schemeClr val="bg1"/>
+                </a:solidFill>
+              </a:rPr>
+              <a:t>ML algorithms so far belong to this category and have</a:t>
+            </a:r>
+          </a:p>
+          <a:p>
+            <a:pPr algn="l"/>
+            <a:r>
+              <a:rPr lang="en-US" dirty="0">
+                <a:solidFill>
+                  <a:schemeClr val="bg1"/>
+                </a:solidFill>
+              </a:rPr>
+              <a:t>Outperformed other algorithms by a large margin.</a:t>
+            </a:r>
+          </a:p>
+          <a:p>
+            <a:pPr algn="l"/>
             <a:endParaRPr lang="en-US" dirty="0">
               <a:solidFill>
                 <a:schemeClr val="bg1"/>
@@ -3851,6 +5661,408 @@
     <p:extLst>
       <p:ext uri="{BB962C8B-B14F-4D97-AF65-F5344CB8AC3E}">
         <p14:creationId xmlns:p14="http://schemas.microsoft.com/office/powerpoint/2010/main" val="3089184298"/>
+      </p:ext>
+    </p:extLst>
+  </p:cSld>
+  <p:clrMapOvr>
+    <a:masterClrMapping/>
+  </p:clrMapOvr>
+</p:sld>
+</file>
+
+<file path=ppt/slides/slide4.xml><?xml version="1.0" encoding="utf-8"?>
+<p:sld xmlns:a="http://schemas.openxmlformats.org/drawingml/2006/main" xmlns:r="http://schemas.openxmlformats.org/officeDocument/2006/relationships" xmlns:p="http://schemas.openxmlformats.org/presentationml/2006/main">
+  <p:cSld>
+    <p:spTree>
+      <p:nvGrpSpPr>
+        <p:cNvPr id="1" name=""/>
+        <p:cNvGrpSpPr/>
+        <p:nvPr/>
+      </p:nvGrpSpPr>
+      <p:grpSpPr>
+        <a:xfrm>
+          <a:off x="0" y="0"/>
+          <a:ext cx="0" cy="0"/>
+          <a:chOff x="0" y="0"/>
+          <a:chExt cx="0" cy="0"/>
+        </a:xfrm>
+      </p:grpSpPr>
+      <p:sp>
+        <p:nvSpPr>
+          <p:cNvPr id="5" name="TextBox 4">
+            <a:extLst>
+              <a:ext uri="{FF2B5EF4-FFF2-40B4-BE49-F238E27FC236}">
+                <a16:creationId xmlns:a16="http://schemas.microsoft.com/office/drawing/2014/main" id="{EE89DBED-0A79-E3C9-0400-18BEFEF7A9DD}"/>
+              </a:ext>
+            </a:extLst>
+          </p:cNvPr>
+          <p:cNvSpPr txBox="1"/>
+          <p:nvPr/>
+        </p:nvSpPr>
+        <p:spPr>
+          <a:xfrm>
+            <a:off x="1405756" y="675252"/>
+            <a:ext cx="3837815" cy="523220"/>
+          </a:xfrm>
+          <a:prstGeom prst="rect">
+            <a:avLst/>
+          </a:prstGeom>
+          <a:noFill/>
+        </p:spPr>
+        <p:txBody>
+          <a:bodyPr wrap="square" rtlCol="0">
+            <a:spAutoFit/>
+          </a:bodyPr>
+          <a:lstStyle/>
+          <a:p>
+            <a:r>
+              <a:rPr lang="en-US" sz="2800" dirty="0">
+                <a:solidFill>
+                  <a:schemeClr val="bg1"/>
+                </a:solidFill>
+                <a:latin typeface="+mj-lt"/>
+              </a:rPr>
+              <a:t>AI but not ML</a:t>
+            </a:r>
+          </a:p>
+        </p:txBody>
+      </p:sp>
+      <p:sp>
+        <p:nvSpPr>
+          <p:cNvPr id="6" name="TextBox 5">
+            <a:extLst>
+              <a:ext uri="{FF2B5EF4-FFF2-40B4-BE49-F238E27FC236}">
+                <a16:creationId xmlns:a16="http://schemas.microsoft.com/office/drawing/2014/main" id="{DF08CE95-B3D1-AA0C-D529-53620105E112}"/>
+              </a:ext>
+            </a:extLst>
+          </p:cNvPr>
+          <p:cNvSpPr txBox="1"/>
+          <p:nvPr/>
+        </p:nvSpPr>
+        <p:spPr>
+          <a:xfrm>
+            <a:off x="7533248" y="675252"/>
+            <a:ext cx="3207434" cy="523220"/>
+          </a:xfrm>
+          <a:prstGeom prst="rect">
+            <a:avLst/>
+          </a:prstGeom>
+          <a:noFill/>
+        </p:spPr>
+        <p:txBody>
+          <a:bodyPr wrap="square" rtlCol="0">
+            <a:spAutoFit/>
+          </a:bodyPr>
+          <a:lstStyle/>
+          <a:p>
+            <a:r>
+              <a:rPr lang="en-US" sz="2800" dirty="0">
+                <a:solidFill>
+                  <a:schemeClr val="bg1"/>
+                </a:solidFill>
+              </a:rPr>
+              <a:t>Both AI and ML</a:t>
+            </a:r>
+          </a:p>
+        </p:txBody>
+      </p:sp>
+      <p:sp>
+        <p:nvSpPr>
+          <p:cNvPr id="7" name="TextBox 6">
+            <a:extLst>
+              <a:ext uri="{FF2B5EF4-FFF2-40B4-BE49-F238E27FC236}">
+                <a16:creationId xmlns:a16="http://schemas.microsoft.com/office/drawing/2014/main" id="{77610B14-2904-E8BE-7A51-EEF91A742656}"/>
+              </a:ext>
+            </a:extLst>
+          </p:cNvPr>
+          <p:cNvSpPr txBox="1"/>
+          <p:nvPr/>
+        </p:nvSpPr>
+        <p:spPr>
+          <a:xfrm>
+            <a:off x="553328" y="1631852"/>
+            <a:ext cx="5542672" cy="2308324"/>
+          </a:xfrm>
+          <a:prstGeom prst="rect">
+            <a:avLst/>
+          </a:prstGeom>
+          <a:noFill/>
+        </p:spPr>
+        <p:txBody>
+          <a:bodyPr wrap="square" rtlCol="0">
+            <a:spAutoFit/>
+          </a:bodyPr>
+          <a:lstStyle/>
+          <a:p>
+            <a:pPr marL="342900" indent="-342900">
+              <a:buFont typeface="Arial" panose="020B0604020202020204" pitchFamily="34" charset="0"/>
+              <a:buChar char="•"/>
+            </a:pPr>
+            <a:r>
+              <a:rPr lang="en-US" sz="2400" dirty="0">
+                <a:solidFill>
+                  <a:schemeClr val="bg1"/>
+                </a:solidFill>
+              </a:rPr>
+              <a:t>Rule </a:t>
+            </a:r>
+            <a:r>
+              <a:rPr lang="en-US" sz="2400">
+                <a:solidFill>
+                  <a:schemeClr val="bg1"/>
+                </a:solidFill>
+              </a:rPr>
+              <a:t>based systems</a:t>
+            </a:r>
+            <a:endParaRPr lang="en-US" sz="2400" dirty="0">
+              <a:solidFill>
+                <a:schemeClr val="bg1"/>
+              </a:solidFill>
+            </a:endParaRPr>
+          </a:p>
+          <a:p>
+            <a:pPr marL="342900" indent="-342900">
+              <a:buFont typeface="Arial" panose="020B0604020202020204" pitchFamily="34" charset="0"/>
+              <a:buChar char="•"/>
+            </a:pPr>
+            <a:r>
+              <a:rPr lang="en-US" sz="2400" dirty="0">
+                <a:solidFill>
+                  <a:schemeClr val="bg1"/>
+                </a:solidFill>
+              </a:rPr>
+              <a:t>Search algorithms</a:t>
+            </a:r>
+          </a:p>
+          <a:p>
+            <a:pPr marL="800100" lvl="1" indent="-342900">
+              <a:buFont typeface="Arial" panose="020B0604020202020204" pitchFamily="34" charset="0"/>
+              <a:buChar char="•"/>
+            </a:pPr>
+            <a:r>
+              <a:rPr lang="en-US" sz="2400" dirty="0">
+                <a:solidFill>
+                  <a:schemeClr val="bg1"/>
+                </a:solidFill>
+                <a:hlinkClick r:id="rId2"/>
+              </a:rPr>
+              <a:t>Dijkstra’s algorithm</a:t>
+            </a:r>
+            <a:endParaRPr lang="en-US" sz="2400" dirty="0">
+              <a:solidFill>
+                <a:schemeClr val="bg1"/>
+              </a:solidFill>
+            </a:endParaRPr>
+          </a:p>
+          <a:p>
+            <a:pPr marL="800100" lvl="1" indent="-342900">
+              <a:buFont typeface="Arial" panose="020B0604020202020204" pitchFamily="34" charset="0"/>
+              <a:buChar char="•"/>
+            </a:pPr>
+            <a:r>
+              <a:rPr lang="en-US" sz="2400" dirty="0">
+                <a:solidFill>
+                  <a:schemeClr val="bg1"/>
+                </a:solidFill>
+                <a:hlinkClick r:id="rId3"/>
+              </a:rPr>
+              <a:t>A-star</a:t>
+            </a:r>
+            <a:endParaRPr lang="en-US" sz="2400" dirty="0">
+              <a:solidFill>
+                <a:schemeClr val="bg1"/>
+              </a:solidFill>
+            </a:endParaRPr>
+          </a:p>
+          <a:p>
+            <a:pPr marL="800100" lvl="1" indent="-342900">
+              <a:buFont typeface="Arial" panose="020B0604020202020204" pitchFamily="34" charset="0"/>
+              <a:buChar char="•"/>
+            </a:pPr>
+            <a:r>
+              <a:rPr lang="en-US" sz="2400" dirty="0">
+                <a:solidFill>
+                  <a:schemeClr val="bg1"/>
+                </a:solidFill>
+                <a:hlinkClick r:id="rId4"/>
+              </a:rPr>
+              <a:t>BFS/DFS</a:t>
+            </a:r>
+            <a:endParaRPr lang="en-US" sz="2400" dirty="0">
+              <a:solidFill>
+                <a:schemeClr val="bg1"/>
+              </a:solidFill>
+            </a:endParaRPr>
+          </a:p>
+          <a:p>
+            <a:pPr marL="342900" indent="-342900">
+              <a:buFont typeface="Arial" panose="020B0604020202020204" pitchFamily="34" charset="0"/>
+              <a:buChar char="•"/>
+            </a:pPr>
+            <a:r>
+              <a:rPr lang="en-US" sz="2400" dirty="0">
+                <a:solidFill>
+                  <a:schemeClr val="bg1"/>
+                </a:solidFill>
+              </a:rPr>
+              <a:t>Genetic algorithms</a:t>
+            </a:r>
+          </a:p>
+        </p:txBody>
+      </p:sp>
+      <p:sp>
+        <p:nvSpPr>
+          <p:cNvPr id="8" name="TextBox 7">
+            <a:extLst>
+              <a:ext uri="{FF2B5EF4-FFF2-40B4-BE49-F238E27FC236}">
+                <a16:creationId xmlns:a16="http://schemas.microsoft.com/office/drawing/2014/main" id="{345BE08D-0E1F-F030-9D1B-20CBB4CA4A72}"/>
+              </a:ext>
+            </a:extLst>
+          </p:cNvPr>
+          <p:cNvSpPr txBox="1"/>
+          <p:nvPr/>
+        </p:nvSpPr>
+        <p:spPr>
+          <a:xfrm>
+            <a:off x="6499274" y="1631852"/>
+            <a:ext cx="5275383" cy="2308324"/>
+          </a:xfrm>
+          <a:prstGeom prst="rect">
+            <a:avLst/>
+          </a:prstGeom>
+          <a:noFill/>
+        </p:spPr>
+        <p:txBody>
+          <a:bodyPr wrap="square" rtlCol="0">
+            <a:spAutoFit/>
+          </a:bodyPr>
+          <a:lstStyle/>
+          <a:p>
+            <a:pPr marL="342900" indent="-342900">
+              <a:buFont typeface="Arial" panose="020B0604020202020204" pitchFamily="34" charset="0"/>
+              <a:buChar char="•"/>
+            </a:pPr>
+            <a:r>
+              <a:rPr lang="en-US" sz="2400" dirty="0">
+                <a:solidFill>
+                  <a:schemeClr val="bg1"/>
+                </a:solidFill>
+                <a:hlinkClick r:id="rId5"/>
+              </a:rPr>
+              <a:t>Linear and Logistic regression</a:t>
+            </a:r>
+            <a:endParaRPr lang="en-US" sz="2400" dirty="0">
+              <a:solidFill>
+                <a:schemeClr val="bg1"/>
+              </a:solidFill>
+            </a:endParaRPr>
+          </a:p>
+          <a:p>
+            <a:pPr marL="342900" indent="-342900">
+              <a:buFont typeface="Arial" panose="020B0604020202020204" pitchFamily="34" charset="0"/>
+              <a:buChar char="•"/>
+            </a:pPr>
+            <a:r>
+              <a:rPr lang="en-US" sz="2400" dirty="0">
+                <a:solidFill>
+                  <a:schemeClr val="bg1"/>
+                </a:solidFill>
+              </a:rPr>
+              <a:t>K nearest neighbors</a:t>
+            </a:r>
+          </a:p>
+          <a:p>
+            <a:pPr marL="342900" indent="-342900">
+              <a:buFont typeface="Arial" panose="020B0604020202020204" pitchFamily="34" charset="0"/>
+              <a:buChar char="•"/>
+            </a:pPr>
+            <a:r>
+              <a:rPr lang="en-US" sz="2400" dirty="0">
+                <a:solidFill>
+                  <a:schemeClr val="bg1"/>
+                </a:solidFill>
+              </a:rPr>
+              <a:t>Neural networks</a:t>
+            </a:r>
+          </a:p>
+          <a:p>
+            <a:pPr marL="800100" lvl="1" indent="-342900">
+              <a:buFont typeface="Arial" panose="020B0604020202020204" pitchFamily="34" charset="0"/>
+              <a:buChar char="•"/>
+            </a:pPr>
+            <a:r>
+              <a:rPr lang="en-US" sz="2400" dirty="0">
+                <a:solidFill>
+                  <a:schemeClr val="bg1"/>
+                </a:solidFill>
+              </a:rPr>
+              <a:t>Face recognition models</a:t>
+            </a:r>
+          </a:p>
+          <a:p>
+            <a:pPr marL="800100" lvl="1" indent="-342900">
+              <a:buFont typeface="Arial" panose="020B0604020202020204" pitchFamily="34" charset="0"/>
+              <a:buChar char="•"/>
+            </a:pPr>
+            <a:r>
+              <a:rPr lang="en-US" sz="2400" dirty="0">
+                <a:solidFill>
+                  <a:schemeClr val="bg1"/>
+                </a:solidFill>
+              </a:rPr>
+              <a:t>OCR model</a:t>
+            </a:r>
+          </a:p>
+          <a:p>
+            <a:pPr marL="800100" lvl="1" indent="-342900">
+              <a:buFont typeface="Arial" panose="020B0604020202020204" pitchFamily="34" charset="0"/>
+              <a:buChar char="•"/>
+            </a:pPr>
+            <a:r>
+              <a:rPr lang="en-US" sz="2400" dirty="0">
+                <a:solidFill>
+                  <a:schemeClr val="bg1"/>
+                </a:solidFill>
+              </a:rPr>
+              <a:t>Language models</a:t>
+            </a:r>
+          </a:p>
+        </p:txBody>
+      </p:sp>
+    </p:spTree>
+    <p:extLst>
+      <p:ext uri="{BB962C8B-B14F-4D97-AF65-F5344CB8AC3E}">
+        <p14:creationId xmlns:p14="http://schemas.microsoft.com/office/powerpoint/2010/main" val="2572063138"/>
+      </p:ext>
+    </p:extLst>
+  </p:cSld>
+  <p:clrMapOvr>
+    <a:masterClrMapping/>
+  </p:clrMapOvr>
+</p:sld>
+</file>
+
+<file path=ppt/slides/slide5.xml><?xml version="1.0" encoding="utf-8"?>
+<p:sld xmlns:a="http://schemas.openxmlformats.org/drawingml/2006/main" xmlns:r="http://schemas.openxmlformats.org/officeDocument/2006/relationships" xmlns:p="http://schemas.openxmlformats.org/presentationml/2006/main">
+  <p:cSld>
+    <p:spTree>
+      <p:nvGrpSpPr>
+        <p:cNvPr id="1" name=""/>
+        <p:cNvGrpSpPr/>
+        <p:nvPr/>
+      </p:nvGrpSpPr>
+      <p:grpSpPr>
+        <a:xfrm>
+          <a:off x="0" y="0"/>
+          <a:ext cx="0" cy="0"/>
+          <a:chOff x="0" y="0"/>
+          <a:chExt cx="0" cy="0"/>
+        </a:xfrm>
+      </p:grpSpPr>
+    </p:spTree>
+    <p:extLst>
+      <p:ext uri="{BB962C8B-B14F-4D97-AF65-F5344CB8AC3E}">
+        <p14:creationId xmlns:p14="http://schemas.microsoft.com/office/powerpoint/2010/main" val="1566575104"/>
       </p:ext>
     </p:extLst>
   </p:cSld>
